--- a/presentation.pptx
+++ b/presentation.pptx
@@ -272,7 +272,7 @@
           <a:p>
             <a:fld id="{E3D9D1F2-0FD8-4403-9C84-9B4F91BDF397}" type="datetimeFigureOut">
               <a:rPr lang="en-GB" smtClean="0"/>
-              <a:t>18/06/2019</a:t>
+              <a:t>19/06/2019</a:t>
             </a:fld>
             <a:endParaRPr lang="en-GB" dirty="0"/>
           </a:p>
@@ -472,7 +472,7 @@
           <a:p>
             <a:fld id="{E3D9D1F2-0FD8-4403-9C84-9B4F91BDF397}" type="datetimeFigureOut">
               <a:rPr lang="en-GB" smtClean="0"/>
-              <a:t>18/06/2019</a:t>
+              <a:t>19/06/2019</a:t>
             </a:fld>
             <a:endParaRPr lang="en-GB" dirty="0"/>
           </a:p>
@@ -682,7 +682,7 @@
           <a:p>
             <a:fld id="{E3D9D1F2-0FD8-4403-9C84-9B4F91BDF397}" type="datetimeFigureOut">
               <a:rPr lang="en-GB" smtClean="0"/>
-              <a:t>18/06/2019</a:t>
+              <a:t>19/06/2019</a:t>
             </a:fld>
             <a:endParaRPr lang="en-GB" dirty="0"/>
           </a:p>
@@ -882,7 +882,7 @@
           <a:p>
             <a:fld id="{E3D9D1F2-0FD8-4403-9C84-9B4F91BDF397}" type="datetimeFigureOut">
               <a:rPr lang="en-GB" smtClean="0"/>
-              <a:t>18/06/2019</a:t>
+              <a:t>19/06/2019</a:t>
             </a:fld>
             <a:endParaRPr lang="en-GB" dirty="0"/>
           </a:p>
@@ -1158,7 +1158,7 @@
           <a:p>
             <a:fld id="{E3D9D1F2-0FD8-4403-9C84-9B4F91BDF397}" type="datetimeFigureOut">
               <a:rPr lang="en-GB" smtClean="0"/>
-              <a:t>18/06/2019</a:t>
+              <a:t>19/06/2019</a:t>
             </a:fld>
             <a:endParaRPr lang="en-GB" dirty="0"/>
           </a:p>
@@ -1426,7 +1426,7 @@
           <a:p>
             <a:fld id="{E3D9D1F2-0FD8-4403-9C84-9B4F91BDF397}" type="datetimeFigureOut">
               <a:rPr lang="en-GB" smtClean="0"/>
-              <a:t>18/06/2019</a:t>
+              <a:t>19/06/2019</a:t>
             </a:fld>
             <a:endParaRPr lang="en-GB" dirty="0"/>
           </a:p>
@@ -1841,7 +1841,7 @@
           <a:p>
             <a:fld id="{E3D9D1F2-0FD8-4403-9C84-9B4F91BDF397}" type="datetimeFigureOut">
               <a:rPr lang="en-GB" smtClean="0"/>
-              <a:t>18/06/2019</a:t>
+              <a:t>19/06/2019</a:t>
             </a:fld>
             <a:endParaRPr lang="en-GB" dirty="0"/>
           </a:p>
@@ -1983,7 +1983,7 @@
           <a:p>
             <a:fld id="{E3D9D1F2-0FD8-4403-9C84-9B4F91BDF397}" type="datetimeFigureOut">
               <a:rPr lang="en-GB" smtClean="0"/>
-              <a:t>18/06/2019</a:t>
+              <a:t>19/06/2019</a:t>
             </a:fld>
             <a:endParaRPr lang="en-GB" dirty="0"/>
           </a:p>
@@ -2096,7 +2096,7 @@
           <a:p>
             <a:fld id="{E3D9D1F2-0FD8-4403-9C84-9B4F91BDF397}" type="datetimeFigureOut">
               <a:rPr lang="en-GB" smtClean="0"/>
-              <a:t>18/06/2019</a:t>
+              <a:t>19/06/2019</a:t>
             </a:fld>
             <a:endParaRPr lang="en-GB" dirty="0"/>
           </a:p>
@@ -2409,7 +2409,7 @@
           <a:p>
             <a:fld id="{E3D9D1F2-0FD8-4403-9C84-9B4F91BDF397}" type="datetimeFigureOut">
               <a:rPr lang="en-GB" smtClean="0"/>
-              <a:t>18/06/2019</a:t>
+              <a:t>19/06/2019</a:t>
             </a:fld>
             <a:endParaRPr lang="en-GB" dirty="0"/>
           </a:p>
@@ -2698,7 +2698,7 @@
           <a:p>
             <a:fld id="{E3D9D1F2-0FD8-4403-9C84-9B4F91BDF397}" type="datetimeFigureOut">
               <a:rPr lang="en-GB" smtClean="0"/>
-              <a:t>18/06/2019</a:t>
+              <a:t>19/06/2019</a:t>
             </a:fld>
             <a:endParaRPr lang="en-GB" dirty="0"/>
           </a:p>
@@ -2941,7 +2941,7 @@
           <a:p>
             <a:fld id="{E3D9D1F2-0FD8-4403-9C84-9B4F91BDF397}" type="datetimeFigureOut">
               <a:rPr lang="en-GB" smtClean="0"/>
-              <a:t>18/06/2019</a:t>
+              <a:t>19/06/2019</a:t>
             </a:fld>
             <a:endParaRPr lang="en-GB" dirty="0"/>
           </a:p>
@@ -4979,7 +4979,7 @@
             <a:lstStyle/>
             <a:p>
               <a:pPr algn="ctr"/>
-              <a:endParaRPr lang="en-GB"/>
+              <a:endParaRPr lang="en-GB" dirty="0"/>
             </a:p>
           </p:txBody>
         </p:sp>
@@ -5206,7 +5206,7 @@
             <a:lstStyle/>
             <a:p>
               <a:pPr algn="ctr"/>
-              <a:endParaRPr lang="en-GB"/>
+              <a:endParaRPr lang="en-GB" dirty="0"/>
             </a:p>
           </p:txBody>
         </p:sp>
@@ -5363,7 +5363,7 @@
             <a:lstStyle/>
             <a:p>
               <a:pPr algn="ctr"/>
-              <a:endParaRPr lang="en-GB"/>
+              <a:endParaRPr lang="en-GB" dirty="0"/>
             </a:p>
           </p:txBody>
         </p:sp>
@@ -6345,7 +6345,7 @@
             <a:lstStyle/>
             <a:p>
               <a:pPr algn="ctr"/>
-              <a:endParaRPr lang="en-GB"/>
+              <a:endParaRPr lang="en-GB" dirty="0"/>
             </a:p>
           </p:txBody>
         </p:sp>
@@ -6568,7 +6568,7 @@
             <a:lstStyle/>
             <a:p>
               <a:pPr algn="ctr"/>
-              <a:endParaRPr lang="en-GB"/>
+              <a:endParaRPr lang="en-GB" dirty="0"/>
             </a:p>
           </p:txBody>
         </p:sp>
@@ -6746,7 +6746,7 @@
             <a:lstStyle/>
             <a:p>
               <a:pPr algn="ctr"/>
-              <a:endParaRPr lang="en-GB"/>
+              <a:endParaRPr lang="en-GB" dirty="0"/>
             </a:p>
           </p:txBody>
         </p:sp>
@@ -7175,7 +7175,7 @@
             <a:lstStyle/>
             <a:p>
               <a:pPr algn="ctr"/>
-              <a:endParaRPr lang="en-GB"/>
+              <a:endParaRPr lang="en-GB" dirty="0"/>
             </a:p>
           </p:txBody>
         </p:sp>
@@ -7432,7 +7432,7 @@
             <a:lstStyle/>
             <a:p>
               <a:pPr algn="ctr"/>
-              <a:endParaRPr lang="en-GB"/>
+              <a:endParaRPr lang="en-GB" dirty="0"/>
             </a:p>
           </p:txBody>
         </p:sp>
@@ -7656,7 +7656,7 @@
             <a:lstStyle/>
             <a:p>
               <a:pPr algn="ctr"/>
-              <a:endParaRPr lang="en-GB"/>
+              <a:endParaRPr lang="en-GB" dirty="0"/>
             </a:p>
           </p:txBody>
         </p:sp>
@@ -10315,10 +10315,10 @@
       </p:sp>
       <p:pic>
         <p:nvPicPr>
-          <p:cNvPr id="15" name="图片 14">
+          <p:cNvPr id="7" name="图片 6">
             <a:extLst>
               <a:ext uri="{FF2B5EF4-FFF2-40B4-BE49-F238E27FC236}">
-                <a16:creationId xmlns:a16="http://schemas.microsoft.com/office/drawing/2014/main" id="{2FD3BAD7-E86E-4ACF-B255-ED63B3399E0B}"/>
+                <a16:creationId xmlns:a16="http://schemas.microsoft.com/office/drawing/2014/main" id="{201D14EC-3AC5-4640-9E8F-8F6DDAFD8FD5}"/>
               </a:ext>
             </a:extLst>
           </p:cNvPr>
@@ -10341,8 +10341,8 @@
         </p:blipFill>
         <p:spPr>
           <a:xfrm>
-            <a:off x="924305" y="1547560"/>
-            <a:ext cx="9713163" cy="4237286"/>
+            <a:off x="973122" y="1380329"/>
+            <a:ext cx="9680896" cy="4133892"/>
           </a:xfrm>
           <a:prstGeom prst="rect">
             <a:avLst/>
@@ -10355,7 +10355,7 @@
                   <a:lumOff val="95000"/>
                 </a:schemeClr>
               </a:gs>
-              <a:gs pos="100000">
+              <a:gs pos="14000">
                 <a:schemeClr val="accent1">
                   <a:lumMod val="45000"/>
                   <a:lumOff val="55000"/>
@@ -10409,7 +10409,7 @@
                             </p:stCondLst>
                             <p:childTnLst>
                               <p:par>
-                                <p:cTn id="5" presetID="1" presetClass="entr" presetSubtype="0" fill="hold" nodeType="clickEffect">
+                                <p:cTn id="5" presetID="1" presetClass="exit" presetSubtype="0" fill="hold" nodeType="clickEffect">
                                   <p:stCondLst>
                                     <p:cond delay="0"/>
                                   </p:stCondLst>
@@ -10422,52 +10422,7 @@
                                           </p:stCondLst>
                                         </p:cTn>
                                         <p:tgtEl>
-                                          <p:spTgt spid="15"/>
-                                        </p:tgtEl>
-                                        <p:attrNameLst>
-                                          <p:attrName>style.visibility</p:attrName>
-                                        </p:attrNameLst>
-                                      </p:cBhvr>
-                                      <p:to>
-                                        <p:strVal val="visible"/>
-                                      </p:to>
-                                    </p:set>
-                                  </p:childTnLst>
-                                </p:cTn>
-                              </p:par>
-                            </p:childTnLst>
-                          </p:cTn>
-                        </p:par>
-                      </p:childTnLst>
-                    </p:cTn>
-                  </p:par>
-                  <p:par>
-                    <p:cTn id="7" fill="hold">
-                      <p:stCondLst>
-                        <p:cond delay="indefinite"/>
-                      </p:stCondLst>
-                      <p:childTnLst>
-                        <p:par>
-                          <p:cTn id="8" fill="hold">
-                            <p:stCondLst>
-                              <p:cond delay="0"/>
-                            </p:stCondLst>
-                            <p:childTnLst>
-                              <p:par>
-                                <p:cTn id="9" presetID="1" presetClass="exit" presetSubtype="0" fill="hold" nodeType="clickEffect">
-                                  <p:stCondLst>
-                                    <p:cond delay="0"/>
-                                  </p:stCondLst>
-                                  <p:childTnLst>
-                                    <p:set>
-                                      <p:cBhvr>
-                                        <p:cTn id="10" dur="1" fill="hold">
-                                          <p:stCondLst>
-                                            <p:cond delay="0"/>
-                                          </p:stCondLst>
-                                        </p:cTn>
-                                        <p:tgtEl>
-                                          <p:spTgt spid="15"/>
+                                          <p:spTgt spid="7"/>
                                         </p:tgtEl>
                                         <p:attrNameLst>
                                           <p:attrName>style.visibility</p:attrName>
@@ -10650,8 +10605,8 @@
           </p:txBody>
         </p:sp>
       </p:grpSp>
-      <mc:AlternateContent xmlns:mc="http://schemas.openxmlformats.org/markup-compatibility/2006">
-        <mc:Choice xmlns:a14="http://schemas.microsoft.com/office/drawing/2010/main" Requires="a14">
+      <mc:AlternateContent xmlns:mc="http://schemas.openxmlformats.org/markup-compatibility/2006" xmlns:a14="http://schemas.microsoft.com/office/drawing/2010/main">
+        <mc:Choice Requires="a14">
           <p:sp>
             <p:nvSpPr>
               <p:cNvPr id="13" name="内容占位符 2">
@@ -12332,7 +12287,7 @@
             </p:txBody>
           </p:sp>
         </mc:Choice>
-        <mc:Fallback>
+        <mc:Fallback xmlns="">
           <p:sp>
             <p:nvSpPr>
               <p:cNvPr id="13" name="内容占位符 2">
@@ -15707,8 +15662,8 @@
           </a:p>
         </p:txBody>
       </p:sp>
-      <mc:AlternateContent xmlns:mc="http://schemas.openxmlformats.org/markup-compatibility/2006" xmlns:a14="http://schemas.microsoft.com/office/drawing/2010/main">
-        <mc:Choice Requires="a14">
+      <mc:AlternateContent xmlns:mc="http://schemas.openxmlformats.org/markup-compatibility/2006">
+        <mc:Choice xmlns:a14="http://schemas.microsoft.com/office/drawing/2010/main" Requires="a14">
           <p:sp>
             <p:nvSpPr>
               <p:cNvPr id="7" name="文本框 6">
@@ -16593,7 +16548,10 @@
                         </m:e>
                       </m:d>
                       <m:r>
-                        <a:rPr lang="en-GB" sz="2800" i="1">
+                        <a:rPr lang="en-GB" sz="2800" i="1" smtClean="0">
+                          <a:solidFill>
+                            <a:srgbClr val="FF0000"/>
+                          </a:solidFill>
                           <a:latin typeface="Cambria Math" panose="02040503050406030204" pitchFamily="18" charset="0"/>
                           <a:ea typeface="宋体" panose="02010600030101010101" pitchFamily="2" charset="-122"/>
                           <a:cs typeface="Arial" panose="020B0604020202020204" pitchFamily="34" charset="0"/>
@@ -16603,7 +16561,10 @@
                       <m:sSub>
                         <m:sSubPr>
                           <m:ctrlPr>
-                            <a:rPr lang="en-GB" sz="2800" i="1">
+                            <a:rPr lang="en-GB" sz="2800" i="1" smtClean="0">
+                              <a:solidFill>
+                                <a:srgbClr val="FF0000"/>
+                              </a:solidFill>
                               <a:latin typeface="Cambria Math" panose="02040503050406030204" pitchFamily="18" charset="0"/>
                               <a:cs typeface="Arial" panose="020B0604020202020204" pitchFamily="34" charset="0"/>
                             </a:rPr>
@@ -16612,6 +16573,9 @@
                         <m:e>
                           <m:r>
                             <a:rPr lang="en-GB" sz="2800" i="1">
+                              <a:solidFill>
+                                <a:srgbClr val="FF0000"/>
+                              </a:solidFill>
                               <a:latin typeface="Cambria Math" panose="02040503050406030204" pitchFamily="18" charset="0"/>
                               <a:ea typeface="宋体" panose="02010600030101010101" pitchFamily="2" charset="-122"/>
                               <a:cs typeface="Arial" panose="020B0604020202020204" pitchFamily="34" charset="0"/>
@@ -16622,6 +16586,9 @@
                         <m:sub>
                           <m:r>
                             <a:rPr lang="en-GB" sz="2800" i="1">
+                              <a:solidFill>
+                                <a:srgbClr val="FF0000"/>
+                              </a:solidFill>
                               <a:latin typeface="Cambria Math" panose="02040503050406030204" pitchFamily="18" charset="0"/>
                               <a:ea typeface="宋体" panose="02010600030101010101" pitchFamily="2" charset="-122"/>
                               <a:cs typeface="Arial" panose="020B0604020202020204" pitchFamily="34" charset="0"/>
@@ -16630,6 +16597,9 @@
                           </m:r>
                           <m:r>
                             <a:rPr lang="en-GB" sz="2800" i="1">
+                              <a:solidFill>
+                                <a:srgbClr val="FF0000"/>
+                              </a:solidFill>
                               <a:latin typeface="Cambria Math" panose="02040503050406030204" pitchFamily="18" charset="0"/>
                               <a:ea typeface="宋体" panose="02010600030101010101" pitchFamily="2" charset="-122"/>
                               <a:cs typeface="Arial" panose="020B0604020202020204" pitchFamily="34" charset="0"/>
@@ -16638,6 +16608,9 @@
                           </m:r>
                           <m:r>
                             <a:rPr lang="en-GB" sz="2800" i="1">
+                              <a:solidFill>
+                                <a:srgbClr val="FF0000"/>
+                              </a:solidFill>
                               <a:latin typeface="Cambria Math" panose="02040503050406030204" pitchFamily="18" charset="0"/>
                               <a:ea typeface="宋体" panose="02010600030101010101" pitchFamily="2" charset="-122"/>
                               <a:cs typeface="Arial" panose="020B0604020202020204" pitchFamily="34" charset="0"/>
@@ -16646,6 +16619,9 @@
                           </m:r>
                           <m:r>
                             <a:rPr lang="en-GB" sz="2800" i="1">
+                              <a:solidFill>
+                                <a:srgbClr val="FF0000"/>
+                              </a:solidFill>
                               <a:latin typeface="Cambria Math" panose="02040503050406030204" pitchFamily="18" charset="0"/>
                               <a:ea typeface="宋体" panose="02010600030101010101" pitchFamily="2" charset="-122"/>
                               <a:cs typeface="Arial" panose="020B0604020202020204" pitchFamily="34" charset="0"/>
@@ -16658,6 +16634,9 @@
                         <m:dPr>
                           <m:ctrlPr>
                             <a:rPr lang="en-GB" sz="2800" i="1">
+                              <a:solidFill>
+                                <a:srgbClr val="FF0000"/>
+                              </a:solidFill>
                               <a:latin typeface="Cambria Math" panose="02040503050406030204" pitchFamily="18" charset="0"/>
                               <a:ea typeface="宋体" panose="02010600030101010101" pitchFamily="2" charset="-122"/>
                               <a:cs typeface="Arial" panose="020B0604020202020204" pitchFamily="34" charset="0"/>
@@ -16667,6 +16646,9 @@
                         <m:e>
                           <m:r>
                             <a:rPr lang="en-GB" sz="2800" i="1">
+                              <a:solidFill>
+                                <a:srgbClr val="FF0000"/>
+                              </a:solidFill>
                               <a:latin typeface="Cambria Math" panose="02040503050406030204" pitchFamily="18" charset="0"/>
                               <a:ea typeface="宋体" panose="02010600030101010101" pitchFamily="2" charset="-122"/>
                               <a:cs typeface="Arial" panose="020B0604020202020204" pitchFamily="34" charset="0"/>
@@ -16675,6 +16657,9 @@
                           </m:r>
                           <m:r>
                             <a:rPr lang="en-GB" sz="2800" b="0" i="1" smtClean="0">
+                              <a:solidFill>
+                                <a:srgbClr val="FF0000"/>
+                              </a:solidFill>
                               <a:latin typeface="Cambria Math" panose="02040503050406030204" pitchFamily="18" charset="0"/>
                               <a:ea typeface="宋体" panose="02010600030101010101" pitchFamily="2" charset="-122"/>
                               <a:cs typeface="Arial" panose="020B0604020202020204" pitchFamily="34" charset="0"/>
@@ -16683,6 +16668,9 @@
                           </m:r>
                           <m:r>
                             <a:rPr lang="en-GB" sz="2800" i="1">
+                              <a:solidFill>
+                                <a:srgbClr val="FF0000"/>
+                              </a:solidFill>
                               <a:latin typeface="Cambria Math" panose="02040503050406030204" pitchFamily="18" charset="0"/>
                               <a:ea typeface="宋体" panose="02010600030101010101" pitchFamily="2" charset="-122"/>
                               <a:cs typeface="Arial" panose="020B0604020202020204" pitchFamily="34" charset="0"/>
@@ -16691,6 +16679,9 @@
                           </m:r>
                           <m:r>
                             <a:rPr lang="en-GB" sz="2800" i="1">
+                              <a:solidFill>
+                                <a:srgbClr val="FF0000"/>
+                              </a:solidFill>
                               <a:latin typeface="Cambria Math" panose="02040503050406030204" pitchFamily="18" charset="0"/>
                               <a:ea typeface="宋体" panose="02010600030101010101" pitchFamily="2" charset="-122"/>
                               <a:cs typeface="Arial" panose="020B0604020202020204" pitchFamily="34" charset="0"/>
@@ -16699,6 +16690,9 @@
                           </m:r>
                           <m:r>
                             <a:rPr lang="en-GB" sz="2800" b="0" i="1" smtClean="0">
+                              <a:solidFill>
+                                <a:srgbClr val="FF0000"/>
+                              </a:solidFill>
                               <a:latin typeface="Cambria Math" panose="02040503050406030204" pitchFamily="18" charset="0"/>
                               <a:ea typeface="宋体" panose="02010600030101010101" pitchFamily="2" charset="-122"/>
                               <a:cs typeface="Arial" panose="020B0604020202020204" pitchFamily="34" charset="0"/>
@@ -16709,6 +16703,9 @@
                       </m:d>
                       <m:r>
                         <a:rPr lang="en-GB" sz="2800" i="1">
+                          <a:solidFill>
+                            <a:srgbClr val="FF0000"/>
+                          </a:solidFill>
                           <a:latin typeface="Cambria Math" panose="02040503050406030204" pitchFamily="18" charset="0"/>
                           <a:ea typeface="宋体" panose="02010600030101010101" pitchFamily="2" charset="-122"/>
                           <a:cs typeface="Arial" panose="020B0604020202020204" pitchFamily="34" charset="0"/>
@@ -16719,6 +16716,9 @@
                         <m:fPr>
                           <m:ctrlPr>
                             <a:rPr lang="en-GB" sz="2800" i="1">
+                              <a:solidFill>
+                                <a:srgbClr val="FF0000"/>
+                              </a:solidFill>
                               <a:latin typeface="Cambria Math" panose="02040503050406030204" pitchFamily="18" charset="0"/>
                               <a:ea typeface="宋体" panose="02010600030101010101" pitchFamily="2" charset="-122"/>
                               <a:cs typeface="Arial" panose="020B0604020202020204" pitchFamily="34" charset="0"/>
@@ -16728,6 +16728,9 @@
                         <m:num>
                           <m:r>
                             <a:rPr lang="en-GB" sz="2800" i="1">
+                              <a:solidFill>
+                                <a:srgbClr val="FF0000"/>
+                              </a:solidFill>
                               <a:latin typeface="Cambria Math" panose="02040503050406030204" pitchFamily="18" charset="0"/>
                               <a:ea typeface="宋体" panose="02010600030101010101" pitchFamily="2" charset="-122"/>
                               <a:cs typeface="Arial" panose="020B0604020202020204" pitchFamily="34" charset="0"/>
@@ -16738,6 +16741,9 @@
                         <m:den>
                           <m:r>
                             <a:rPr lang="en-GB" sz="2800" i="1">
+                              <a:solidFill>
+                                <a:srgbClr val="FF0000"/>
+                              </a:solidFill>
                               <a:latin typeface="Cambria Math" panose="02040503050406030204" pitchFamily="18" charset="0"/>
                               <a:ea typeface="宋体" panose="02010600030101010101" pitchFamily="2" charset="-122"/>
                               <a:cs typeface="Arial" panose="020B0604020202020204" pitchFamily="34" charset="0"/>
@@ -16748,6 +16754,9 @@
                       </m:f>
                       <m:r>
                         <a:rPr lang="en-GB" sz="2800" i="1">
+                          <a:solidFill>
+                            <a:srgbClr val="FF0000"/>
+                          </a:solidFill>
                           <a:latin typeface="Cambria Math" panose="02040503050406030204" pitchFamily="18" charset="0"/>
                           <a:ea typeface="宋体" panose="02010600030101010101" pitchFamily="2" charset="-122"/>
                           <a:cs typeface="Arial" panose="020B0604020202020204" pitchFamily="34" charset="0"/>
@@ -16758,6 +16767,9 @@
                         <m:sSubPr>
                           <m:ctrlPr>
                             <a:rPr lang="en-GB" sz="2800" i="1">
+                              <a:solidFill>
+                                <a:srgbClr val="FF0000"/>
+                              </a:solidFill>
                               <a:latin typeface="Cambria Math" panose="02040503050406030204" pitchFamily="18" charset="0"/>
                               <a:ea typeface="宋体" panose="02010600030101010101" pitchFamily="2" charset="-122"/>
                               <a:cs typeface="Arial" panose="020B0604020202020204" pitchFamily="34" charset="0"/>
@@ -16767,6 +16779,9 @@
                         <m:e>
                           <m:r>
                             <a:rPr lang="en-GB" sz="2800" i="1">
+                              <a:solidFill>
+                                <a:srgbClr val="FF0000"/>
+                              </a:solidFill>
                               <a:latin typeface="Cambria Math" panose="02040503050406030204" pitchFamily="18" charset="0"/>
                               <a:ea typeface="宋体" panose="02010600030101010101" pitchFamily="2" charset="-122"/>
                               <a:cs typeface="Arial" panose="020B0604020202020204" pitchFamily="34" charset="0"/>
@@ -16777,6 +16792,9 @@
                         <m:sub>
                           <m:r>
                             <a:rPr lang="en-GB" sz="2800" i="1">
+                              <a:solidFill>
+                                <a:srgbClr val="FF0000"/>
+                              </a:solidFill>
                               <a:latin typeface="Cambria Math" panose="02040503050406030204" pitchFamily="18" charset="0"/>
                               <a:ea typeface="宋体" panose="02010600030101010101" pitchFamily="2" charset="-122"/>
                               <a:cs typeface="Arial" panose="020B0604020202020204" pitchFamily="34" charset="0"/>
@@ -16789,6 +16807,9 @@
                         <m:dPr>
                           <m:ctrlPr>
                             <a:rPr lang="en-GB" sz="2800" i="1">
+                              <a:solidFill>
+                                <a:srgbClr val="FF0000"/>
+                              </a:solidFill>
                               <a:latin typeface="Cambria Math" panose="02040503050406030204" pitchFamily="18" charset="0"/>
                               <a:ea typeface="宋体" panose="02010600030101010101" pitchFamily="2" charset="-122"/>
                               <a:cs typeface="Arial" panose="020B0604020202020204" pitchFamily="34" charset="0"/>
@@ -16798,6 +16819,9 @@
                         <m:e>
                           <m:r>
                             <a:rPr lang="en-GB" sz="2800" i="1">
+                              <a:solidFill>
+                                <a:srgbClr val="FF0000"/>
+                              </a:solidFill>
                               <a:latin typeface="Cambria Math" panose="02040503050406030204" pitchFamily="18" charset="0"/>
                               <a:ea typeface="宋体" panose="02010600030101010101" pitchFamily="2" charset="-122"/>
                               <a:cs typeface="Arial" panose="020B0604020202020204" pitchFamily="34" charset="0"/>
@@ -16806,6 +16830,9 @@
                           </m:r>
                           <m:r>
                             <a:rPr lang="en-GB" sz="2800" b="0" i="1" smtClean="0">
+                              <a:solidFill>
+                                <a:srgbClr val="FF0000"/>
+                              </a:solidFill>
                               <a:latin typeface="Cambria Math" panose="02040503050406030204" pitchFamily="18" charset="0"/>
                               <a:ea typeface="宋体" panose="02010600030101010101" pitchFamily="2" charset="-122"/>
                               <a:cs typeface="Arial" panose="020B0604020202020204" pitchFamily="34" charset="0"/>
@@ -16814,6 +16841,9 @@
                           </m:r>
                           <m:r>
                             <a:rPr lang="en-GB" sz="2800" i="1">
+                              <a:solidFill>
+                                <a:srgbClr val="FF0000"/>
+                              </a:solidFill>
                               <a:latin typeface="Cambria Math" panose="02040503050406030204" pitchFamily="18" charset="0"/>
                               <a:ea typeface="宋体" panose="02010600030101010101" pitchFamily="2" charset="-122"/>
                               <a:cs typeface="Arial" panose="020B0604020202020204" pitchFamily="34" charset="0"/>
@@ -16822,6 +16852,9 @@
                           </m:r>
                           <m:r>
                             <a:rPr lang="en-GB" sz="2800" i="1">
+                              <a:solidFill>
+                                <a:srgbClr val="FF0000"/>
+                              </a:solidFill>
                               <a:latin typeface="Cambria Math" panose="02040503050406030204" pitchFamily="18" charset="0"/>
                               <a:ea typeface="宋体" panose="02010600030101010101" pitchFamily="2" charset="-122"/>
                               <a:cs typeface="Arial" panose="020B0604020202020204" pitchFamily="34" charset="0"/>
@@ -16830,6 +16863,9 @@
                           </m:r>
                           <m:r>
                             <a:rPr lang="en-GB" sz="2800" b="0" i="1" smtClean="0">
+                              <a:solidFill>
+                                <a:srgbClr val="FF0000"/>
+                              </a:solidFill>
                               <a:latin typeface="Cambria Math" panose="02040503050406030204" pitchFamily="18" charset="0"/>
                               <a:ea typeface="宋体" panose="02010600030101010101" pitchFamily="2" charset="-122"/>
                               <a:cs typeface="Arial" panose="020B0604020202020204" pitchFamily="34" charset="0"/>
@@ -16840,6 +16876,9 @@
                       </m:d>
                       <m:r>
                         <a:rPr lang="en-GB" sz="2800" i="1">
+                          <a:solidFill>
+                            <a:srgbClr val="FF0000"/>
+                          </a:solidFill>
                           <a:latin typeface="Cambria Math" panose="02040503050406030204" pitchFamily="18" charset="0"/>
                           <a:ea typeface="宋体" panose="02010600030101010101" pitchFamily="2" charset="-122"/>
                           <a:cs typeface="Arial" panose="020B0604020202020204" pitchFamily="34" charset="0"/>
@@ -16850,6 +16889,9 @@
                         <m:sSubPr>
                           <m:ctrlPr>
                             <a:rPr lang="en-GB" sz="2800" i="1">
+                              <a:solidFill>
+                                <a:srgbClr val="FF0000"/>
+                              </a:solidFill>
                               <a:latin typeface="Cambria Math" panose="02040503050406030204" pitchFamily="18" charset="0"/>
                               <a:cs typeface="Arial" panose="020B0604020202020204" pitchFamily="34" charset="0"/>
                             </a:rPr>
@@ -16858,6 +16900,9 @@
                         <m:e>
                           <m:r>
                             <a:rPr lang="en-GB" sz="2800" i="1">
+                              <a:solidFill>
+                                <a:srgbClr val="FF0000"/>
+                              </a:solidFill>
                               <a:latin typeface="Cambria Math" panose="02040503050406030204" pitchFamily="18" charset="0"/>
                               <a:ea typeface="宋体" panose="02010600030101010101" pitchFamily="2" charset="-122"/>
                               <a:cs typeface="Arial" panose="020B0604020202020204" pitchFamily="34" charset="0"/>
@@ -16868,6 +16913,9 @@
                         <m:sub>
                           <m:r>
                             <a:rPr lang="en-GB" sz="2800" i="1">
+                              <a:solidFill>
+                                <a:srgbClr val="FF0000"/>
+                              </a:solidFill>
                               <a:latin typeface="Cambria Math" panose="02040503050406030204" pitchFamily="18" charset="0"/>
                               <a:ea typeface="宋体" panose="02010600030101010101" pitchFamily="2" charset="-122"/>
                               <a:cs typeface="Arial" panose="020B0604020202020204" pitchFamily="34" charset="0"/>
@@ -16876,6 +16924,9 @@
                           </m:r>
                           <m:r>
                             <a:rPr lang="en-GB" sz="2800" i="1">
+                              <a:solidFill>
+                                <a:srgbClr val="FF0000"/>
+                              </a:solidFill>
                               <a:latin typeface="Cambria Math" panose="02040503050406030204" pitchFamily="18" charset="0"/>
                               <a:ea typeface="宋体" panose="02010600030101010101" pitchFamily="2" charset="-122"/>
                               <a:cs typeface="Arial" panose="020B0604020202020204" pitchFamily="34" charset="0"/>
@@ -16884,6 +16935,9 @@
                           </m:r>
                           <m:r>
                             <a:rPr lang="en-GB" sz="2800" i="1">
+                              <a:solidFill>
+                                <a:srgbClr val="FF0000"/>
+                              </a:solidFill>
                               <a:latin typeface="Cambria Math" panose="02040503050406030204" pitchFamily="18" charset="0"/>
                               <a:ea typeface="宋体" panose="02010600030101010101" pitchFamily="2" charset="-122"/>
                               <a:cs typeface="Arial" panose="020B0604020202020204" pitchFamily="34" charset="0"/>
@@ -16892,6 +16946,9 @@
                           </m:r>
                           <m:r>
                             <a:rPr lang="en-GB" sz="2800" i="1">
+                              <a:solidFill>
+                                <a:srgbClr val="FF0000"/>
+                              </a:solidFill>
                               <a:latin typeface="Cambria Math" panose="02040503050406030204" pitchFamily="18" charset="0"/>
                               <a:ea typeface="宋体" panose="02010600030101010101" pitchFamily="2" charset="-122"/>
                               <a:cs typeface="Arial" panose="020B0604020202020204" pitchFamily="34" charset="0"/>
@@ -16904,6 +16961,9 @@
                         <m:dPr>
                           <m:ctrlPr>
                             <a:rPr lang="en-GB" sz="2800" i="1">
+                              <a:solidFill>
+                                <a:srgbClr val="FF0000"/>
+                              </a:solidFill>
                               <a:latin typeface="Cambria Math" panose="02040503050406030204" pitchFamily="18" charset="0"/>
                               <a:ea typeface="宋体" panose="02010600030101010101" pitchFamily="2" charset="-122"/>
                               <a:cs typeface="Arial" panose="020B0604020202020204" pitchFamily="34" charset="0"/>
@@ -16913,6 +16973,9 @@
                         <m:e>
                           <m:r>
                             <a:rPr lang="en-GB" sz="2800" i="1">
+                              <a:solidFill>
+                                <a:srgbClr val="FF0000"/>
+                              </a:solidFill>
                               <a:latin typeface="Cambria Math" panose="02040503050406030204" pitchFamily="18" charset="0"/>
                               <a:ea typeface="宋体" panose="02010600030101010101" pitchFamily="2" charset="-122"/>
                               <a:cs typeface="Arial" panose="020B0604020202020204" pitchFamily="34" charset="0"/>
@@ -16921,6 +16984,9 @@
                           </m:r>
                           <m:r>
                             <a:rPr lang="en-GB" sz="2800" b="0" i="1" smtClean="0">
+                              <a:solidFill>
+                                <a:srgbClr val="FF0000"/>
+                              </a:solidFill>
                               <a:latin typeface="Cambria Math" panose="02040503050406030204" pitchFamily="18" charset="0"/>
                               <a:ea typeface="宋体" panose="02010600030101010101" pitchFamily="2" charset="-122"/>
                               <a:cs typeface="Arial" panose="020B0604020202020204" pitchFamily="34" charset="0"/>
@@ -16929,6 +16995,9 @@
                           </m:r>
                           <m:r>
                             <a:rPr lang="en-GB" sz="2800" i="1">
+                              <a:solidFill>
+                                <a:srgbClr val="FF0000"/>
+                              </a:solidFill>
                               <a:latin typeface="Cambria Math" panose="02040503050406030204" pitchFamily="18" charset="0"/>
                               <a:ea typeface="宋体" panose="02010600030101010101" pitchFamily="2" charset="-122"/>
                               <a:cs typeface="Arial" panose="020B0604020202020204" pitchFamily="34" charset="0"/>
@@ -16937,6 +17006,9 @@
                           </m:r>
                           <m:r>
                             <a:rPr lang="en-GB" sz="2800" i="1">
+                              <a:solidFill>
+                                <a:srgbClr val="FF0000"/>
+                              </a:solidFill>
                               <a:latin typeface="Cambria Math" panose="02040503050406030204" pitchFamily="18" charset="0"/>
                               <a:ea typeface="宋体" panose="02010600030101010101" pitchFamily="2" charset="-122"/>
                               <a:cs typeface="Arial" panose="020B0604020202020204" pitchFamily="34" charset="0"/>
@@ -16945,6 +17017,9 @@
                           </m:r>
                           <m:r>
                             <a:rPr lang="en-GB" sz="2800" b="0" i="1" smtClean="0">
+                              <a:solidFill>
+                                <a:srgbClr val="FF0000"/>
+                              </a:solidFill>
                               <a:latin typeface="Cambria Math" panose="02040503050406030204" pitchFamily="18" charset="0"/>
                               <a:ea typeface="宋体" panose="02010600030101010101" pitchFamily="2" charset="-122"/>
                               <a:cs typeface="Arial" panose="020B0604020202020204" pitchFamily="34" charset="0"/>
@@ -16955,6 +17030,9 @@
                       </m:d>
                       <m:r>
                         <a:rPr lang="en-GB" sz="2800" i="1">
+                          <a:solidFill>
+                            <a:srgbClr val="FF0000"/>
+                          </a:solidFill>
                           <a:latin typeface="Cambria Math" panose="02040503050406030204" pitchFamily="18" charset="0"/>
                           <a:ea typeface="宋体" panose="02010600030101010101" pitchFamily="2" charset="-122"/>
                           <a:cs typeface="Arial" panose="020B0604020202020204" pitchFamily="34" charset="0"/>
@@ -16964,7 +17042,11 @@
                     </m:oMath>
                   </m:oMathPara>
                 </a14:m>
-                <a:endParaRPr lang="en-GB" sz="2800" dirty="0"/>
+                <a:endParaRPr lang="en-GB" sz="2800" dirty="0">
+                  <a:solidFill>
+                    <a:srgbClr val="FF0000"/>
+                  </a:solidFill>
+                </a:endParaRPr>
               </a:p>
               <a:p>
                 <a:endParaRPr lang="en-GB" dirty="0"/>
@@ -16972,7 +17054,7 @@
             </p:txBody>
           </p:sp>
         </mc:Choice>
-        <mc:Fallback xmlns="">
+        <mc:Fallback>
           <p:sp>
             <p:nvSpPr>
               <p:cNvPr id="7" name="文本框 6">
@@ -17824,8 +17906,8 @@
           </a:prstGeom>
         </p:spPr>
       </p:pic>
-      <mc:AlternateContent xmlns:mc="http://schemas.openxmlformats.org/markup-compatibility/2006" xmlns:a14="http://schemas.microsoft.com/office/drawing/2010/main">
-        <mc:Choice Requires="a14">
+      <mc:AlternateContent xmlns:mc="http://schemas.openxmlformats.org/markup-compatibility/2006">
+        <mc:Choice xmlns:a14="http://schemas.microsoft.com/office/drawing/2010/main" Requires="a14">
           <p:sp>
             <p:nvSpPr>
               <p:cNvPr id="13" name="文本框 12">
@@ -18116,15 +18198,6 @@
                               <a:latin typeface="Cambria Math" panose="02040503050406030204" pitchFamily="18" charset="0"/>
                             </a:rPr>
                             <m:t>𝑡</m:t>
-                          </m:r>
-                          <m:r>
-                            <a:rPr lang="en-GB" sz="3000" i="1">
-                              <a:solidFill>
-                                <a:srgbClr val="C00000"/>
-                              </a:solidFill>
-                              <a:latin typeface="Cambria Math" panose="02040503050406030204" pitchFamily="18" charset="0"/>
-                            </a:rPr>
-                            <m:t>+1</m:t>
                           </m:r>
                         </m:sub>
                         <m:sup>
@@ -18462,6 +18535,16 @@
                                         </a:rPr>
                                         <m:t>𝑡</m:t>
                                       </m:r>
+                                      <m:r>
+                                        <a:rPr lang="en-GB" sz="3000" b="0" i="1" smtClean="0">
+                                          <a:solidFill>
+                                            <a:srgbClr val="C00000"/>
+                                          </a:solidFill>
+                                          <a:latin typeface="Cambria Math" panose="02040503050406030204" pitchFamily="18" charset="0"/>
+                                          <a:ea typeface="Cambria Math" panose="02040503050406030204" pitchFamily="18" charset="0"/>
+                                        </a:rPr>
+                                        <m:t>+1</m:t>
+                                      </m:r>
                                     </m:sub>
                                     <m:sup>
                                       <m:r>
@@ -18514,6 +18597,16 @@
                                       <a:ea typeface="Cambria Math" panose="02040503050406030204" pitchFamily="18" charset="0"/>
                                     </a:rPr>
                                     <m:t>𝑡</m:t>
+                                  </m:r>
+                                  <m:r>
+                                    <a:rPr lang="en-GB" sz="3000" b="0" i="1" smtClean="0">
+                                      <a:solidFill>
+                                        <a:srgbClr val="C00000"/>
+                                      </a:solidFill>
+                                      <a:latin typeface="Cambria Math" panose="02040503050406030204" pitchFamily="18" charset="0"/>
+                                      <a:ea typeface="Cambria Math" panose="02040503050406030204" pitchFamily="18" charset="0"/>
+                                    </a:rPr>
+                                    <m:t>+1</m:t>
                                   </m:r>
                                 </m:sub>
                                 <m:sup>
@@ -18576,6 +18669,16 @@
                                           <a:ea typeface="Cambria Math" panose="02040503050406030204" pitchFamily="18" charset="0"/>
                                         </a:rPr>
                                         <m:t>𝑡</m:t>
+                                      </m:r>
+                                      <m:r>
+                                        <a:rPr lang="en-GB" sz="3000" b="0" i="1" smtClean="0">
+                                          <a:solidFill>
+                                            <a:srgbClr val="C00000"/>
+                                          </a:solidFill>
+                                          <a:latin typeface="Cambria Math" panose="02040503050406030204" pitchFamily="18" charset="0"/>
+                                          <a:ea typeface="Cambria Math" panose="02040503050406030204" pitchFamily="18" charset="0"/>
+                                        </a:rPr>
+                                        <m:t>+1</m:t>
                                       </m:r>
                                     </m:sub>
                                     <m:sup>
@@ -18656,15 +18759,6 @@
                                   <a:latin typeface="Cambria Math" panose="02040503050406030204" pitchFamily="18" charset="0"/>
                                 </a:rPr>
                                 <m:t>𝑡</m:t>
-                              </m:r>
-                              <m:r>
-                                <a:rPr lang="en-GB" sz="3000" i="1">
-                                  <a:solidFill>
-                                    <a:srgbClr val="C00000"/>
-                                  </a:solidFill>
-                                  <a:latin typeface="Cambria Math" panose="02040503050406030204" pitchFamily="18" charset="0"/>
-                                </a:rPr>
-                                <m:t>+1</m:t>
                               </m:r>
                             </m:sub>
                             <m:sup>
@@ -18794,7 +18888,7 @@
             </p:txBody>
           </p:sp>
         </mc:Choice>
-        <mc:Fallback xmlns="">
+        <mc:Fallback>
           <p:sp>
             <p:nvSpPr>
               <p:cNvPr id="13" name="文本框 12">
@@ -19084,7 +19178,7 @@
                 <a:latin typeface="Arial" panose="020B0604020202020204" pitchFamily="34" charset="0"/>
                 <a:cs typeface="Arial" panose="020B0604020202020204" pitchFamily="34" charset="0"/>
               </a:rPr>
-              <a:t>Frozen Q target</a:t>
+              <a:t>Double Q learning</a:t>
             </a:r>
           </a:p>
           <a:p>
@@ -19094,7 +19188,7 @@
                 <a:latin typeface="Arial" panose="020B0604020202020204" pitchFamily="34" charset="0"/>
                 <a:cs typeface="Arial" panose="020B0604020202020204" pitchFamily="34" charset="0"/>
               </a:rPr>
-              <a:t>Double Q learning</a:t>
+              <a:t>Duelling Q learning</a:t>
             </a:r>
             <a:endParaRPr lang="en-GB" dirty="0">
               <a:latin typeface="Arial" panose="020B0604020202020204" pitchFamily="34" charset="0"/>
@@ -19287,7 +19381,7 @@
           <a:lstStyle/>
           <a:p>
             <a:pPr algn="ctr"/>
-            <a:endParaRPr lang="en-GB"/>
+            <a:endParaRPr lang="en-GB" dirty="0"/>
           </a:p>
         </p:txBody>
       </p:sp>
@@ -19427,7 +19521,7 @@
             <a:lstStyle/>
             <a:p>
               <a:pPr algn="ctr"/>
-              <a:endParaRPr lang="en-GB"/>
+              <a:endParaRPr lang="en-GB" dirty="0"/>
             </a:p>
           </p:txBody>
         </p:sp>
@@ -19471,7 +19565,7 @@
             <a:lstStyle/>
             <a:p>
               <a:pPr algn="ctr"/>
-              <a:endParaRPr lang="en-GB"/>
+              <a:endParaRPr lang="en-GB" dirty="0"/>
             </a:p>
           </p:txBody>
         </p:sp>
@@ -19515,7 +19609,7 @@
             <a:lstStyle/>
             <a:p>
               <a:pPr algn="ctr"/>
-              <a:endParaRPr lang="en-GB"/>
+              <a:endParaRPr lang="en-GB" dirty="0"/>
             </a:p>
           </p:txBody>
         </p:sp>
@@ -19559,7 +19653,7 @@
             <a:lstStyle/>
             <a:p>
               <a:pPr algn="ctr"/>
-              <a:endParaRPr lang="en-GB"/>
+              <a:endParaRPr lang="en-GB" dirty="0"/>
             </a:p>
           </p:txBody>
         </p:sp>
@@ -19603,7 +19697,7 @@
             <a:lstStyle/>
             <a:p>
               <a:pPr algn="ctr"/>
-              <a:endParaRPr lang="en-GB"/>
+              <a:endParaRPr lang="en-GB" dirty="0"/>
             </a:p>
           </p:txBody>
         </p:sp>
@@ -19647,7 +19741,7 @@
             <a:lstStyle/>
             <a:p>
               <a:pPr algn="ctr"/>
-              <a:endParaRPr lang="en-GB"/>
+              <a:endParaRPr lang="en-GB" dirty="0"/>
             </a:p>
           </p:txBody>
         </p:sp>
@@ -19691,7 +19785,7 @@
             <a:lstStyle/>
             <a:p>
               <a:pPr algn="ctr"/>
-              <a:endParaRPr lang="en-GB"/>
+              <a:endParaRPr lang="en-GB" dirty="0"/>
             </a:p>
           </p:txBody>
         </p:sp>
@@ -19735,7 +19829,7 @@
             <a:lstStyle/>
             <a:p>
               <a:pPr algn="ctr"/>
-              <a:endParaRPr lang="en-GB"/>
+              <a:endParaRPr lang="en-GB" dirty="0"/>
             </a:p>
           </p:txBody>
         </p:sp>
@@ -19779,7 +19873,7 @@
             <a:lstStyle/>
             <a:p>
               <a:pPr algn="ctr"/>
-              <a:endParaRPr lang="en-GB"/>
+              <a:endParaRPr lang="en-GB" dirty="0"/>
             </a:p>
           </p:txBody>
         </p:sp>
@@ -19823,7 +19917,7 @@
             <a:lstStyle/>
             <a:p>
               <a:pPr algn="ctr"/>
-              <a:endParaRPr lang="en-GB"/>
+              <a:endParaRPr lang="en-GB" dirty="0"/>
             </a:p>
           </p:txBody>
         </p:sp>
@@ -19867,7 +19961,7 @@
             <a:lstStyle/>
             <a:p>
               <a:pPr algn="ctr"/>
-              <a:endParaRPr lang="en-GB"/>
+              <a:endParaRPr lang="en-GB" dirty="0"/>
             </a:p>
           </p:txBody>
         </p:sp>
@@ -19911,7 +20005,7 @@
             <a:lstStyle/>
             <a:p>
               <a:pPr algn="ctr"/>
-              <a:endParaRPr lang="en-GB"/>
+              <a:endParaRPr lang="en-GB" dirty="0"/>
             </a:p>
           </p:txBody>
         </p:sp>
@@ -21204,7 +21298,7 @@
             <a:lstStyle/>
             <a:p>
               <a:pPr algn="ctr"/>
-              <a:endParaRPr lang="en-GB"/>
+              <a:endParaRPr lang="en-GB" dirty="0"/>
             </a:p>
           </p:txBody>
         </p:sp>
